--- a/pkc.pptx
+++ b/pkc.pptx
@@ -5086,7 +5086,17 @@
                   </a:schemeClr>
                 </a:solidFill>
               </a:rPr>
-              <a:t>Establishing a distributed public key infrastructure</a:t>
+              <a:t>Building </a:t>
+            </a:r>
+            <a:r>
+              <a:rPr lang="en-US" b="1" dirty="0" smtClean="0">
+                <a:solidFill>
+                  <a:schemeClr val="accent5">
+                    <a:lumMod val="50000"/>
+                  </a:schemeClr>
+                </a:solidFill>
+              </a:rPr>
+              <a:t>a distributed public key infrastructure</a:t>
             </a:r>
             <a:r>
               <a:rPr lang="en-US" dirty="0" smtClean="0">
@@ -5953,7 +5963,7 @@
         </p:nvSpPr>
         <p:spPr>
           <a:xfrm>
-            <a:off x="9693550" y="3273508"/>
+            <a:off x="9670454" y="2255077"/>
             <a:ext cx="1852916" cy="1163424"/>
           </a:xfrm>
           <a:prstGeom prst="roundRect">
@@ -5999,7 +6009,7 @@
         </p:nvSpPr>
         <p:spPr>
           <a:xfrm>
-            <a:off x="9541666" y="3104512"/>
+            <a:off x="9518570" y="2086081"/>
             <a:ext cx="1852916" cy="1163424"/>
           </a:xfrm>
           <a:prstGeom prst="roundRect">
@@ -6041,7 +6051,7 @@
         </p:nvSpPr>
         <p:spPr>
           <a:xfrm>
-            <a:off x="9490151" y="3131968"/>
+            <a:off x="9467055" y="2113537"/>
             <a:ext cx="1927527" cy="1009519"/>
           </a:xfrm>
           <a:prstGeom prst="rect">
@@ -6239,6 +6249,309 @@
                 </a:solidFill>
               </a:rPr>
               <a:t>Verified</a:t>
+            </a:r>
+            <a:endParaRPr lang="en-US" altLang="zh-CN" sz="2400" dirty="0">
+              <a:solidFill>
+                <a:srgbClr val="FFFFFF"/>
+              </a:solidFill>
+            </a:endParaRPr>
+          </a:p>
+        </p:txBody>
+      </p:sp>
+      <p:sp>
+        <p:nvSpPr>
+          <p:cNvPr id="24" name="圆角矩形 19"/>
+          <p:cNvSpPr/>
+          <p:nvPr/>
+        </p:nvSpPr>
+        <p:spPr>
+          <a:xfrm>
+            <a:off x="9693550" y="4255525"/>
+            <a:ext cx="1852916" cy="1163424"/>
+          </a:xfrm>
+          <a:prstGeom prst="roundRect">
+            <a:avLst/>
+          </a:prstGeom>
+          <a:solidFill>
+            <a:srgbClr val="2E75B6">
+              <a:alpha val="28000"/>
+            </a:srgbClr>
+          </a:solidFill>
+          <a:ln>
+            <a:noFill/>
+          </a:ln>
+        </p:spPr>
+        <p:style>
+          <a:lnRef idx="1">
+            <a:schemeClr val="accent1"/>
+          </a:lnRef>
+          <a:fillRef idx="3">
+            <a:schemeClr val="accent1"/>
+          </a:fillRef>
+          <a:effectRef idx="2">
+            <a:schemeClr val="accent1"/>
+          </a:effectRef>
+          <a:fontRef idx="minor">
+            <a:schemeClr val="lt1"/>
+          </a:fontRef>
+        </p:style>
+        <p:txBody>
+          <a:bodyPr rtlCol="0" anchor="ctr"/>
+          <a:lstStyle/>
+          <a:p>
+            <a:pPr algn="ctr"/>
+            <a:endParaRPr kumimoji="1" lang="zh-CN" altLang="en-US" sz="2400"/>
+          </a:p>
+        </p:txBody>
+      </p:sp>
+      <p:sp>
+        <p:nvSpPr>
+          <p:cNvPr id="25" name="圆角矩形 1"/>
+          <p:cNvSpPr/>
+          <p:nvPr/>
+        </p:nvSpPr>
+        <p:spPr>
+          <a:xfrm>
+            <a:off x="9541666" y="4086529"/>
+            <a:ext cx="1852916" cy="1163424"/>
+          </a:xfrm>
+          <a:prstGeom prst="roundRect">
+            <a:avLst/>
+          </a:prstGeom>
+          <a:ln>
+            <a:noFill/>
+          </a:ln>
+        </p:spPr>
+        <p:style>
+          <a:lnRef idx="1">
+            <a:schemeClr val="accent1"/>
+          </a:lnRef>
+          <a:fillRef idx="3">
+            <a:schemeClr val="accent1"/>
+          </a:fillRef>
+          <a:effectRef idx="2">
+            <a:schemeClr val="accent1"/>
+          </a:effectRef>
+          <a:fontRef idx="minor">
+            <a:schemeClr val="lt1"/>
+          </a:fontRef>
+        </p:style>
+        <p:txBody>
+          <a:bodyPr rtlCol="0" anchor="ctr"/>
+          <a:lstStyle/>
+          <a:p>
+            <a:endParaRPr kumimoji="1" lang="zh-CN" altLang="en-US" sz="2400" dirty="0"/>
+          </a:p>
+        </p:txBody>
+      </p:sp>
+      <p:sp>
+        <p:nvSpPr>
+          <p:cNvPr id="26" name="Content Placeholder 2"/>
+          <p:cNvSpPr txBox="1">
+            <a:spLocks/>
+          </p:cNvSpPr>
+          <p:nvPr/>
+        </p:nvSpPr>
+        <p:spPr>
+          <a:xfrm>
+            <a:off x="9490151" y="4113985"/>
+            <a:ext cx="1927527" cy="1009519"/>
+          </a:xfrm>
+          <a:prstGeom prst="rect">
+            <a:avLst/>
+          </a:prstGeom>
+        </p:spPr>
+        <p:txBody>
+          <a:bodyPr vert="horz" lIns="91440" tIns="45720" rIns="91440" bIns="45720" rtlCol="0" anchor="ctr">
+            <a:normAutofit/>
+          </a:bodyPr>
+          <a:lstStyle>
+            <a:lvl1pPr marL="228600" indent="-228600" algn="l" defTabSz="914400" rtl="0" eaLnBrk="1" latinLnBrk="0" hangingPunct="1">
+              <a:lnSpc>
+                <a:spcPct val="90000"/>
+              </a:lnSpc>
+              <a:spcBef>
+                <a:spcPts val="1000"/>
+              </a:spcBef>
+              <a:buFont typeface="Arial" panose="020B0604020202020204" pitchFamily="34" charset="0"/>
+              <a:buChar char="•"/>
+              <a:defRPr sz="2800" kern="1200">
+                <a:solidFill>
+                  <a:schemeClr val="tx1"/>
+                </a:solidFill>
+                <a:latin typeface="+mn-lt"/>
+                <a:ea typeface="+mn-ea"/>
+                <a:cs typeface="+mn-cs"/>
+              </a:defRPr>
+            </a:lvl1pPr>
+            <a:lvl2pPr marL="685800" indent="-228600" algn="l" defTabSz="914400" rtl="0" eaLnBrk="1" latinLnBrk="0" hangingPunct="1">
+              <a:lnSpc>
+                <a:spcPct val="90000"/>
+              </a:lnSpc>
+              <a:spcBef>
+                <a:spcPts val="500"/>
+              </a:spcBef>
+              <a:buFont typeface="Arial" panose="020B0604020202020204" pitchFamily="34" charset="0"/>
+              <a:buChar char="•"/>
+              <a:defRPr sz="2400" kern="1200">
+                <a:solidFill>
+                  <a:schemeClr val="tx1"/>
+                </a:solidFill>
+                <a:latin typeface="+mn-lt"/>
+                <a:ea typeface="+mn-ea"/>
+                <a:cs typeface="+mn-cs"/>
+              </a:defRPr>
+            </a:lvl2pPr>
+            <a:lvl3pPr marL="1143000" indent="-228600" algn="l" defTabSz="914400" rtl="0" eaLnBrk="1" latinLnBrk="0" hangingPunct="1">
+              <a:lnSpc>
+                <a:spcPct val="90000"/>
+              </a:lnSpc>
+              <a:spcBef>
+                <a:spcPts val="500"/>
+              </a:spcBef>
+              <a:buFont typeface="Arial" panose="020B0604020202020204" pitchFamily="34" charset="0"/>
+              <a:buChar char="•"/>
+              <a:defRPr sz="2000" kern="1200">
+                <a:solidFill>
+                  <a:schemeClr val="tx1"/>
+                </a:solidFill>
+                <a:latin typeface="+mn-lt"/>
+                <a:ea typeface="+mn-ea"/>
+                <a:cs typeface="+mn-cs"/>
+              </a:defRPr>
+            </a:lvl3pPr>
+            <a:lvl4pPr marL="1600200" indent="-228600" algn="l" defTabSz="914400" rtl="0" eaLnBrk="1" latinLnBrk="0" hangingPunct="1">
+              <a:lnSpc>
+                <a:spcPct val="90000"/>
+              </a:lnSpc>
+              <a:spcBef>
+                <a:spcPts val="500"/>
+              </a:spcBef>
+              <a:buFont typeface="Arial" panose="020B0604020202020204" pitchFamily="34" charset="0"/>
+              <a:buChar char="•"/>
+              <a:defRPr sz="1800" kern="1200">
+                <a:solidFill>
+                  <a:schemeClr val="tx1"/>
+                </a:solidFill>
+                <a:latin typeface="+mn-lt"/>
+                <a:ea typeface="+mn-ea"/>
+                <a:cs typeface="+mn-cs"/>
+              </a:defRPr>
+            </a:lvl4pPr>
+            <a:lvl5pPr marL="2057400" indent="-228600" algn="l" defTabSz="914400" rtl="0" eaLnBrk="1" latinLnBrk="0" hangingPunct="1">
+              <a:lnSpc>
+                <a:spcPct val="90000"/>
+              </a:lnSpc>
+              <a:spcBef>
+                <a:spcPts val="500"/>
+              </a:spcBef>
+              <a:buFont typeface="Arial" panose="020B0604020202020204" pitchFamily="34" charset="0"/>
+              <a:buChar char="•"/>
+              <a:defRPr sz="1800" kern="1200">
+                <a:solidFill>
+                  <a:schemeClr val="tx1"/>
+                </a:solidFill>
+                <a:latin typeface="+mn-lt"/>
+                <a:ea typeface="+mn-ea"/>
+                <a:cs typeface="+mn-cs"/>
+              </a:defRPr>
+            </a:lvl5pPr>
+            <a:lvl6pPr marL="2514600" indent="-228600" algn="l" defTabSz="914400" rtl="0" eaLnBrk="1" latinLnBrk="0" hangingPunct="1">
+              <a:lnSpc>
+                <a:spcPct val="90000"/>
+              </a:lnSpc>
+              <a:spcBef>
+                <a:spcPts val="500"/>
+              </a:spcBef>
+              <a:buFont typeface="Arial" panose="020B0604020202020204" pitchFamily="34" charset="0"/>
+              <a:buChar char="•"/>
+              <a:defRPr sz="1800" kern="1200">
+                <a:solidFill>
+                  <a:schemeClr val="tx1"/>
+                </a:solidFill>
+                <a:latin typeface="+mn-lt"/>
+                <a:ea typeface="+mn-ea"/>
+                <a:cs typeface="+mn-cs"/>
+              </a:defRPr>
+            </a:lvl6pPr>
+            <a:lvl7pPr marL="2971800" indent="-228600" algn="l" defTabSz="914400" rtl="0" eaLnBrk="1" latinLnBrk="0" hangingPunct="1">
+              <a:lnSpc>
+                <a:spcPct val="90000"/>
+              </a:lnSpc>
+              <a:spcBef>
+                <a:spcPts val="500"/>
+              </a:spcBef>
+              <a:buFont typeface="Arial" panose="020B0604020202020204" pitchFamily="34" charset="0"/>
+              <a:buChar char="•"/>
+              <a:defRPr sz="1800" kern="1200">
+                <a:solidFill>
+                  <a:schemeClr val="tx1"/>
+                </a:solidFill>
+                <a:latin typeface="+mn-lt"/>
+                <a:ea typeface="+mn-ea"/>
+                <a:cs typeface="+mn-cs"/>
+              </a:defRPr>
+            </a:lvl7pPr>
+            <a:lvl8pPr marL="3429000" indent="-228600" algn="l" defTabSz="914400" rtl="0" eaLnBrk="1" latinLnBrk="0" hangingPunct="1">
+              <a:lnSpc>
+                <a:spcPct val="90000"/>
+              </a:lnSpc>
+              <a:spcBef>
+                <a:spcPts val="500"/>
+              </a:spcBef>
+              <a:buFont typeface="Arial" panose="020B0604020202020204" pitchFamily="34" charset="0"/>
+              <a:buChar char="•"/>
+              <a:defRPr sz="1800" kern="1200">
+                <a:solidFill>
+                  <a:schemeClr val="tx1"/>
+                </a:solidFill>
+                <a:latin typeface="+mn-lt"/>
+                <a:ea typeface="+mn-ea"/>
+                <a:cs typeface="+mn-cs"/>
+              </a:defRPr>
+            </a:lvl8pPr>
+            <a:lvl9pPr marL="3886200" indent="-228600" algn="l" defTabSz="914400" rtl="0" eaLnBrk="1" latinLnBrk="0" hangingPunct="1">
+              <a:lnSpc>
+                <a:spcPct val="90000"/>
+              </a:lnSpc>
+              <a:spcBef>
+                <a:spcPts val="500"/>
+              </a:spcBef>
+              <a:buFont typeface="Arial" panose="020B0604020202020204" pitchFamily="34" charset="0"/>
+              <a:buChar char="•"/>
+              <a:defRPr sz="1800" kern="1200">
+                <a:solidFill>
+                  <a:schemeClr val="tx1"/>
+                </a:solidFill>
+                <a:latin typeface="+mn-lt"/>
+                <a:ea typeface="+mn-ea"/>
+                <a:cs typeface="+mn-cs"/>
+              </a:defRPr>
+            </a:lvl9pPr>
+          </a:lstStyle>
+          <a:p>
+            <a:pPr marL="0" indent="0" algn="ctr">
+              <a:lnSpc>
+                <a:spcPct val="100000"/>
+              </a:lnSpc>
+              <a:spcBef>
+                <a:spcPts val="2000"/>
+              </a:spcBef>
+              <a:buClr>
+                <a:schemeClr val="accent6">
+                  <a:lumMod val="75000"/>
+                </a:schemeClr>
+              </a:buClr>
+              <a:buFont typeface="Arial" panose="020B0604020202020204" pitchFamily="34" charset="0"/>
+              <a:buNone/>
+            </a:pPr>
+            <a:r>
+              <a:rPr lang="en-US" altLang="zh-CN" sz="2400" b="1" dirty="0" smtClean="0">
+                <a:solidFill>
+                  <a:srgbClr val="FFFFFF"/>
+                </a:solidFill>
+              </a:rPr>
+              <a:t>Scalable</a:t>
             </a:r>
             <a:endParaRPr lang="en-US" altLang="zh-CN" sz="2400" dirty="0">
               <a:solidFill>
